--- a/test.pptx
+++ b/test.pptx
@@ -6,6 +6,11 @@
   </p:sldMasterIdLst>
   <p:sldIdLst>
     <p:sldId id="256" r:id="rId7"/>
+    <p:sldId id="257" r:id="rId8"/>
+    <p:sldId id="258" r:id="rId9"/>
+    <p:sldId id="259" r:id="rId10"/>
+    <p:sldId id="260" r:id="rId11"/>
+    <p:sldId id="261" r:id="rId12"/>
   </p:sldIdLst>
   <p:sldSz cx="9144000" cy="6858000" type="screen4x3"/>
   <p:notesSz cx="6858000" cy="9144000"/>
@@ -2572,9 +2577,12 @@
 <p:sldMaster xmlns:a="http://schemas.openxmlformats.org/drawingml/2006/main" xmlns:r="http://schemas.openxmlformats.org/officeDocument/2006/relationships" xmlns:p="http://schemas.openxmlformats.org/presentationml/2006/main">
   <p:cSld>
     <p:bg>
-      <p:bgRef idx="1001">
-        <a:schemeClr val="bg1"/>
-      </p:bgRef>
+      <p:bgPr>
+        <a:solidFill>
+          <a:srgbClr val="A6E9FF"/>
+        </a:solidFill>
+        <a:effectLst/>
+      </p:bgPr>
     </p:bg>
     <p:spTree>
       <p:nvGrpSpPr>
@@ -3102,7 +3110,133 @@
         <p:txBody>
           <a:bodyPr/>
           <a:lstStyle/>
+          <a:p>
+            <a:r>
+              <a:rPr sz="4500" b="1">
+                <a:latin typeface="Times New Roman"/>
+              </a:rPr>
+              <a:t>Climate change issues in south kentucky</a:t>
+            </a:r>
+          </a:p>
+        </p:txBody>
+      </p:sp>
+    </p:spTree>
+  </p:cSld>
+  <p:clrMapOvr>
+    <a:masterClrMapping/>
+  </p:clrMapOvr>
+</p:sld>
+</file>
+
+<file path=ppt/slides/slide2.xml><?xml version="1.0" encoding="utf-8"?>
+<p:sld xmlns:a="http://schemas.openxmlformats.org/drawingml/2006/main" xmlns:p="http://schemas.openxmlformats.org/presentationml/2006/main" xmlns:r="http://schemas.openxmlformats.org/officeDocument/2006/relationships">
+  <p:cSld>
+    <p:spTree>
+      <p:nvGrpSpPr>
+        <p:cNvPr id="1" name=""/>
+        <p:cNvGrpSpPr/>
+        <p:nvPr/>
+      </p:nvGrpSpPr>
+      <p:grpSpPr/>
+      <p:sp>
+        <p:nvSpPr>
+          <p:cNvPr id="2" name="Title 1"/>
+          <p:cNvSpPr>
+            <a:spLocks noGrp="1"/>
+          </p:cNvSpPr>
+          <p:nvPr>
+            <p:ph type="title"/>
+          </p:nvPr>
+        </p:nvSpPr>
+        <p:spPr/>
+        <p:txBody>
+          <a:bodyPr/>
+          <a:lstStyle/>
+          <a:p>
+            <a:r>
+              <a:rPr sz="2400" b="0">
+                <a:latin typeface="Times New Roman"/>
+              </a:rPr>
+              <a:t>Abstract</a:t>
+            </a:r>
+          </a:p>
+        </p:txBody>
+      </p:sp>
+      <p:sp>
+        <p:nvSpPr>
+          <p:cNvPr id="3" name="Content Placeholder 2"/>
+          <p:cNvSpPr>
+            <a:spLocks noGrp="1"/>
+          </p:cNvSpPr>
+          <p:nvPr>
+            <p:ph idx="1"/>
+          </p:nvPr>
+        </p:nvSpPr>
+        <p:spPr/>
+        <p:txBody>
+          <a:bodyPr/>
+          <a:lstStyle/>
           <a:p/>
+          <a:p/>
+          <a:p>
+            <a:r>
+              <a:rPr sz="1800">
+                <a:latin typeface="Times New Roman"/>
+              </a:rPr>
+              <a:t>This paper suggests a theoretical approach, even though the theory comes with a clear methodology and implementation .</a:t>
+            </a:r>
+          </a:p>
+          <a:p>
+            <a:r>
+              <a:rPr sz="1800">
+                <a:latin typeface="Times New Roman"/>
+              </a:rPr>
+              <a:t> it insists on the semantic approach so that all the HARMS agents "understand" what is going on .</a:t>
+            </a:r>
+          </a:p>
+          <a:p/>
+        </p:txBody>
+      </p:sp>
+    </p:spTree>
+  </p:cSld>
+  <p:clrMapOvr>
+    <a:masterClrMapping/>
+  </p:clrMapOvr>
+</p:sld>
+</file>
+
+<file path=ppt/slides/slide3.xml><?xml version="1.0" encoding="utf-8"?>
+<p:sld xmlns:a="http://schemas.openxmlformats.org/drawingml/2006/main" xmlns:p="http://schemas.openxmlformats.org/presentationml/2006/main" xmlns:r="http://schemas.openxmlformats.org/officeDocument/2006/relationships">
+  <p:cSld>
+    <p:spTree>
+      <p:nvGrpSpPr>
+        <p:cNvPr id="1" name=""/>
+        <p:cNvGrpSpPr/>
+        <p:nvPr/>
+      </p:nvGrpSpPr>
+      <p:grpSpPr/>
+      <p:sp>
+        <p:nvSpPr>
+          <p:cNvPr id="2" name="Title 1"/>
+          <p:cNvSpPr>
+            <a:spLocks noGrp="1"/>
+          </p:cNvSpPr>
+          <p:nvPr>
+            <p:ph type="title"/>
+          </p:nvPr>
+        </p:nvSpPr>
+        <p:spPr/>
+        <p:txBody>
+          <a:bodyPr/>
+          <a:lstStyle/>
+          <a:p>
+            <a:r>
+              <a:rPr sz="2400" b="0">
+                <a:latin typeface="Times New Roman"/>
+              </a:rPr>
+              <a:t>Introduction</a:t>
+            </a:r>
+          </a:p>
         </p:txBody>
       </p:sp>
       <p:sp>
@@ -3120,6 +3254,355 @@
           <a:bodyPr/>
           <a:lstStyle/>
           <a:p/>
+          <a:p/>
+          <a:p>
+            <a:r>
+              <a:rPr sz="1800">
+                <a:latin typeface="Times New Roman"/>
+              </a:rPr>
+              <a:t>Human-computer interaction has been happening since the first command was introduced into the computer .</a:t>
+            </a:r>
+          </a:p>
+          <a:p>
+            <a:r>
+              <a:rPr sz="1800">
+                <a:latin typeface="Times New Roman"/>
+              </a:rPr>
+              <a:t> The language of the interaction is code, which sometimes includes words or even sentences of natural language .</a:t>
+            </a:r>
+          </a:p>
+          <a:p>
+            <a:r>
+              <a:rPr sz="1800">
+                <a:latin typeface="Times New Roman"/>
+              </a:rPr>
+              <a:t> Or, again, should there be a difference?</a:t>
+            </a:r>
+          </a:p>
+        </p:txBody>
+      </p:sp>
+    </p:spTree>
+  </p:cSld>
+  <p:clrMapOvr>
+    <a:masterClrMapping/>
+  </p:clrMapOvr>
+</p:sld>
+</file>
+
+<file path=ppt/slides/slide4.xml><?xml version="1.0" encoding="utf-8"?>
+<p:sld xmlns:a="http://schemas.openxmlformats.org/drawingml/2006/main" xmlns:p="http://schemas.openxmlformats.org/presentationml/2006/main" xmlns:r="http://schemas.openxmlformats.org/officeDocument/2006/relationships">
+  <p:cSld>
+    <p:spTree>
+      <p:nvGrpSpPr>
+        <p:cNvPr id="1" name=""/>
+        <p:cNvGrpSpPr/>
+        <p:nvPr/>
+      </p:nvGrpSpPr>
+      <p:grpSpPr/>
+      <p:sp>
+        <p:nvSpPr>
+          <p:cNvPr id="2" name="Title 1"/>
+          <p:cNvSpPr>
+            <a:spLocks noGrp="1"/>
+          </p:cNvSpPr>
+          <p:nvPr>
+            <p:ph type="title"/>
+          </p:nvPr>
+        </p:nvSpPr>
+        <p:spPr/>
+        <p:txBody>
+          <a:bodyPr/>
+          <a:lstStyle/>
+          <a:p>
+            <a:r>
+              <a:rPr sz="2400" b="0">
+                <a:latin typeface="Times New Roman"/>
+              </a:rPr>
+              <a:t>Methods</a:t>
+            </a:r>
+          </a:p>
+        </p:txBody>
+      </p:sp>
+      <p:sp>
+        <p:nvSpPr>
+          <p:cNvPr id="3" name="Content Placeholder 2"/>
+          <p:cNvSpPr>
+            <a:spLocks noGrp="1"/>
+          </p:cNvSpPr>
+          <p:nvPr>
+            <p:ph idx="1"/>
+          </p:nvPr>
+        </p:nvSpPr>
+        <p:spPr/>
+        <p:txBody>
+          <a:bodyPr/>
+          <a:lstStyle/>
+          <a:p/>
+          <a:p/>
+          <a:p>
+            <a:r>
+              <a:rPr sz="1800">
+                <a:latin typeface="Times New Roman"/>
+              </a:rPr>
+              <a:t>: .</a:t>
+            </a:r>
+          </a:p>
+          <a:p>
+            <a:r>
+              <a:rPr sz="1800">
+                <a:latin typeface="Times New Roman"/>
+              </a:rPr>
+              <a:t> &amp; ! !.</a:t>
+            </a:r>
+          </a:p>
+          <a:p>
+            <a:r>
+              <a:rPr sz="1800">
+                <a:latin typeface="Times New Roman"/>
+              </a:rPr>
+              <a:t> .</a:t>
+            </a:r>
+          </a:p>
+          <a:p>
+            <a:r>
+              <a:rPr sz="1800">
+                <a:latin typeface="Times New Roman"/>
+              </a:rPr>
+              <a:t>.</a:t>
+            </a:r>
+          </a:p>
+          <a:p>
+            <a:r>
+              <a:rPr sz="1800">
+                <a:latin typeface="Times New Roman"/>
+              </a:rPr>
+              <a:t> !! .</a:t>
+            </a:r>
+          </a:p>
+          <a:p>
+            <a:r>
+              <a:rPr sz="1800">
+                <a:latin typeface="Times New Roman"/>
+              </a:rPr>
+              <a:t>! &amp;! ? !, !</a:t>
+            </a:r>
+          </a:p>
+        </p:txBody>
+      </p:sp>
+    </p:spTree>
+  </p:cSld>
+  <p:clrMapOvr>
+    <a:masterClrMapping/>
+  </p:clrMapOvr>
+</p:sld>
+</file>
+
+<file path=ppt/slides/slide5.xml><?xml version="1.0" encoding="utf-8"?>
+<p:sld xmlns:a="http://schemas.openxmlformats.org/drawingml/2006/main" xmlns:p="http://schemas.openxmlformats.org/presentationml/2006/main" xmlns:r="http://schemas.openxmlformats.org/officeDocument/2006/relationships">
+  <p:cSld>
+    <p:spTree>
+      <p:nvGrpSpPr>
+        <p:cNvPr id="1" name=""/>
+        <p:cNvGrpSpPr/>
+        <p:nvPr/>
+      </p:nvGrpSpPr>
+      <p:grpSpPr/>
+      <p:sp>
+        <p:nvSpPr>
+          <p:cNvPr id="2" name="Title 1"/>
+          <p:cNvSpPr>
+            <a:spLocks noGrp="1"/>
+          </p:cNvSpPr>
+          <p:nvPr>
+            <p:ph type="title"/>
+          </p:nvPr>
+        </p:nvSpPr>
+        <p:spPr/>
+        <p:txBody>
+          <a:bodyPr/>
+          <a:lstStyle/>
+          <a:p>
+            <a:r>
+              <a:rPr sz="2400" b="0">
+                <a:latin typeface="Times New Roman"/>
+              </a:rPr>
+              <a:t>Discussion</a:t>
+            </a:r>
+          </a:p>
+        </p:txBody>
+      </p:sp>
+      <p:sp>
+        <p:nvSpPr>
+          <p:cNvPr id="3" name="Content Placeholder 2"/>
+          <p:cNvSpPr>
+            <a:spLocks noGrp="1"/>
+          </p:cNvSpPr>
+          <p:nvPr>
+            <p:ph idx="1"/>
+          </p:nvPr>
+        </p:nvSpPr>
+        <p:spPr/>
+        <p:txBody>
+          <a:bodyPr/>
+          <a:lstStyle/>
+          <a:p/>
+          <a:p/>
+          <a:p>
+            <a:r>
+              <a:rPr sz="1800">
+                <a:latin typeface="Times New Roman"/>
+              </a:rPr>
+              <a:t>: .</a:t>
+            </a:r>
+          </a:p>
+          <a:p>
+            <a:r>
+              <a:rPr sz="1800">
+                <a:latin typeface="Times New Roman"/>
+              </a:rPr>
+              <a:t> &amp; ! !.</a:t>
+            </a:r>
+          </a:p>
+          <a:p>
+            <a:r>
+              <a:rPr sz="1800">
+                <a:latin typeface="Times New Roman"/>
+              </a:rPr>
+              <a:t> .</a:t>
+            </a:r>
+          </a:p>
+          <a:p>
+            <a:r>
+              <a:rPr sz="1800">
+                <a:latin typeface="Times New Roman"/>
+              </a:rPr>
+              <a:t>.</a:t>
+            </a:r>
+          </a:p>
+          <a:p>
+            <a:r>
+              <a:rPr sz="1800">
+                <a:latin typeface="Times New Roman"/>
+              </a:rPr>
+              <a:t> !! .</a:t>
+            </a:r>
+          </a:p>
+          <a:p>
+            <a:r>
+              <a:rPr sz="1800">
+                <a:latin typeface="Times New Roman"/>
+              </a:rPr>
+              <a:t>! &amp;! ? !, !</a:t>
+            </a:r>
+          </a:p>
+        </p:txBody>
+      </p:sp>
+    </p:spTree>
+  </p:cSld>
+  <p:clrMapOvr>
+    <a:masterClrMapping/>
+  </p:clrMapOvr>
+</p:sld>
+</file>
+
+<file path=ppt/slides/slide6.xml><?xml version="1.0" encoding="utf-8"?>
+<p:sld xmlns:a="http://schemas.openxmlformats.org/drawingml/2006/main" xmlns:p="http://schemas.openxmlformats.org/presentationml/2006/main" xmlns:r="http://schemas.openxmlformats.org/officeDocument/2006/relationships">
+  <p:cSld>
+    <p:spTree>
+      <p:nvGrpSpPr>
+        <p:cNvPr id="1" name=""/>
+        <p:cNvGrpSpPr/>
+        <p:nvPr/>
+      </p:nvGrpSpPr>
+      <p:grpSpPr/>
+      <p:sp>
+        <p:nvSpPr>
+          <p:cNvPr id="2" name="Title 1"/>
+          <p:cNvSpPr>
+            <a:spLocks noGrp="1"/>
+          </p:cNvSpPr>
+          <p:nvPr>
+            <p:ph type="title"/>
+          </p:nvPr>
+        </p:nvSpPr>
+        <p:spPr/>
+        <p:txBody>
+          <a:bodyPr/>
+          <a:lstStyle/>
+          <a:p>
+            <a:r>
+              <a:rPr sz="2400" b="0">
+                <a:latin typeface="Times New Roman"/>
+              </a:rPr>
+              <a:t>Results</a:t>
+            </a:r>
+          </a:p>
+        </p:txBody>
+      </p:sp>
+      <p:sp>
+        <p:nvSpPr>
+          <p:cNvPr id="3" name="Content Placeholder 2"/>
+          <p:cNvSpPr>
+            <a:spLocks noGrp="1"/>
+          </p:cNvSpPr>
+          <p:nvPr>
+            <p:ph idx="1"/>
+          </p:nvPr>
+        </p:nvSpPr>
+        <p:spPr/>
+        <p:txBody>
+          <a:bodyPr/>
+          <a:lstStyle/>
+          <a:p/>
+          <a:p/>
+          <a:p>
+            <a:r>
+              <a:rPr sz="1800">
+                <a:latin typeface="Times New Roman"/>
+              </a:rPr>
+              <a:t>: .</a:t>
+            </a:r>
+          </a:p>
+          <a:p>
+            <a:r>
+              <a:rPr sz="1800">
+                <a:latin typeface="Times New Roman"/>
+              </a:rPr>
+              <a:t> &amp; ! !.</a:t>
+            </a:r>
+          </a:p>
+          <a:p>
+            <a:r>
+              <a:rPr sz="1800">
+                <a:latin typeface="Times New Roman"/>
+              </a:rPr>
+              <a:t> .</a:t>
+            </a:r>
+          </a:p>
+          <a:p>
+            <a:r>
+              <a:rPr sz="1800">
+                <a:latin typeface="Times New Roman"/>
+              </a:rPr>
+              <a:t>.</a:t>
+            </a:r>
+          </a:p>
+          <a:p>
+            <a:r>
+              <a:rPr sz="1800">
+                <a:latin typeface="Times New Roman"/>
+              </a:rPr>
+              <a:t> !! .</a:t>
+            </a:r>
+          </a:p>
+          <a:p>
+            <a:r>
+              <a:rPr sz="1800">
+                <a:latin typeface="Times New Roman"/>
+              </a:rPr>
+              <a:t>! &amp;! ? !, !</a:t>
+            </a:r>
+          </a:p>
         </p:txBody>
       </p:sp>
     </p:spTree>
